--- a/PsychoPy-Part2/FAQ-handout.pptx
+++ b/PsychoPy-Part2/FAQ-handout.pptx
@@ -201,7 +201,7 @@
           <a:p>
             <a:fld id="{A71BFCC6-2EC9-4EC2-A3C4-9B645E93EB78}" type="datetimeFigureOut">
               <a:rPr lang="en-US" smtClean="0"/>
-              <a:t>9/25/2015</a:t>
+              <a:t>9/20/2016</a:t>
             </a:fld>
             <a:endParaRPr lang="en-US"/>
           </a:p>
@@ -1728,7 +1728,7 @@
             <a:fld id="{B61BEF0D-F0BB-DE4B-95CE-6DB70DBA9567}" type="datetimeFigureOut">
               <a:rPr lang="en-US" smtClean="0"/>
               <a:pPr/>
-              <a:t>9/25/2015</a:t>
+              <a:t>9/20/2016</a:t>
             </a:fld>
             <a:endParaRPr lang="en-US" dirty="0"/>
           </a:p>
@@ -1981,7 +1981,7 @@
             <a:fld id="{B61BEF0D-F0BB-DE4B-95CE-6DB70DBA9567}" type="datetimeFigureOut">
               <a:rPr lang="en-US" smtClean="0"/>
               <a:pPr/>
-              <a:t>9/25/2015</a:t>
+              <a:t>9/20/2016</a:t>
             </a:fld>
             <a:endParaRPr lang="en-US" dirty="0"/>
           </a:p>
@@ -2297,7 +2297,7 @@
             <a:fld id="{B61BEF0D-F0BB-DE4B-95CE-6DB70DBA9567}" type="datetimeFigureOut">
               <a:rPr lang="en-US" smtClean="0"/>
               <a:pPr/>
-              <a:t>9/25/2015</a:t>
+              <a:t>9/20/2016</a:t>
             </a:fld>
             <a:endParaRPr lang="en-US" dirty="0"/>
           </a:p>
@@ -2632,7 +2632,7 @@
             <a:fld id="{B61BEF0D-F0BB-DE4B-95CE-6DB70DBA9567}" type="datetimeFigureOut">
               <a:rPr lang="en-US" smtClean="0"/>
               <a:pPr/>
-              <a:t>9/25/2015</a:t>
+              <a:t>9/20/2016</a:t>
             </a:fld>
             <a:endParaRPr lang="en-US" dirty="0"/>
           </a:p>
@@ -2948,7 +2948,7 @@
             <a:fld id="{B61BEF0D-F0BB-DE4B-95CE-6DB70DBA9567}" type="datetimeFigureOut">
               <a:rPr lang="en-US" smtClean="0"/>
               <a:pPr/>
-              <a:t>9/25/2015</a:t>
+              <a:t>9/20/2016</a:t>
             </a:fld>
             <a:endParaRPr lang="en-US" dirty="0"/>
           </a:p>
@@ -3343,7 +3343,7 @@
             <a:fld id="{B61BEF0D-F0BB-DE4B-95CE-6DB70DBA9567}" type="datetimeFigureOut">
               <a:rPr lang="en-US" smtClean="0"/>
               <a:pPr/>
-              <a:t>9/25/2015</a:t>
+              <a:t>9/20/2016</a:t>
             </a:fld>
             <a:endParaRPr lang="en-US" dirty="0"/>
           </a:p>
@@ -3514,7 +3514,7 @@
           <a:p>
             <a:fld id="{55C6B4A9-1611-4792-9094-5F34BCA07E0B}" type="datetimeFigureOut">
               <a:rPr lang="en-US" smtClean="0"/>
-              <a:t>9/25/2015</a:t>
+              <a:t>9/20/2016</a:t>
             </a:fld>
             <a:endParaRPr lang="en-US" dirty="0"/>
           </a:p>
@@ -3695,7 +3695,7 @@
             <a:fld id="{B61BEF0D-F0BB-DE4B-95CE-6DB70DBA9567}" type="datetimeFigureOut">
               <a:rPr lang="en-US" smtClean="0"/>
               <a:pPr/>
-              <a:t>9/25/2015</a:t>
+              <a:t>9/20/2016</a:t>
             </a:fld>
             <a:endParaRPr lang="en-US" dirty="0"/>
           </a:p>
@@ -4061,7 +4061,7 @@
             <a:fld id="{B61BEF0D-F0BB-DE4B-95CE-6DB70DBA9567}" type="datetimeFigureOut">
               <a:rPr lang="en-US" smtClean="0"/>
               <a:pPr/>
-              <a:t>9/25/2015</a:t>
+              <a:t>9/20/2016</a:t>
             </a:fld>
             <a:endParaRPr lang="en-US" dirty="0"/>
           </a:p>
@@ -4310,7 +4310,7 @@
             <a:fld id="{B61BEF0D-F0BB-DE4B-95CE-6DB70DBA9567}" type="datetimeFigureOut">
               <a:rPr lang="en-US" smtClean="0"/>
               <a:pPr/>
-              <a:t>9/25/2015</a:t>
+              <a:t>9/20/2016</a:t>
             </a:fld>
             <a:endParaRPr lang="en-US" dirty="0"/>
           </a:p>
@@ -4608,7 +4608,7 @@
           <a:p>
             <a:fld id="{EB712588-04B1-427B-82EE-E8DB90309F08}" type="datetimeFigureOut">
               <a:rPr lang="en-US" smtClean="0"/>
-              <a:t>9/25/2015</a:t>
+              <a:t>9/20/2016</a:t>
             </a:fld>
             <a:endParaRPr lang="en-US" dirty="0"/>
           </a:p>
@@ -4988,7 +4988,7 @@
             <a:fld id="{B61BEF0D-F0BB-DE4B-95CE-6DB70DBA9567}" type="datetimeFigureOut">
               <a:rPr lang="en-US" smtClean="0"/>
               <a:pPr/>
-              <a:t>9/25/2015</a:t>
+              <a:t>9/20/2016</a:t>
             </a:fld>
             <a:endParaRPr lang="en-US" dirty="0"/>
           </a:p>
@@ -5113,7 +5113,7 @@
             <a:fld id="{B61BEF0D-F0BB-DE4B-95CE-6DB70DBA9567}" type="datetimeFigureOut">
               <a:rPr lang="en-US" smtClean="0"/>
               <a:pPr/>
-              <a:t>9/25/2015</a:t>
+              <a:t>9/20/2016</a:t>
             </a:fld>
             <a:endParaRPr lang="en-US" dirty="0"/>
           </a:p>
@@ -5210,7 +5210,7 @@
             <a:fld id="{B61BEF0D-F0BB-DE4B-95CE-6DB70DBA9567}" type="datetimeFigureOut">
               <a:rPr lang="en-US" smtClean="0"/>
               <a:pPr/>
-              <a:t>9/25/2015</a:t>
+              <a:t>9/20/2016</a:t>
             </a:fld>
             <a:endParaRPr lang="en-US" dirty="0"/>
           </a:p>
@@ -5466,7 +5466,7 @@
           <a:p>
             <a:fld id="{42A54C80-263E-416B-A8E0-580EDEADCBDC}" type="datetimeFigureOut">
               <a:rPr lang="en-US" smtClean="0"/>
-              <a:t>9/25/2015</a:t>
+              <a:t>9/20/2016</a:t>
             </a:fld>
             <a:endParaRPr lang="en-US" dirty="0"/>
           </a:p>
@@ -5730,7 +5730,7 @@
             <a:fld id="{B61BEF0D-F0BB-DE4B-95CE-6DB70DBA9567}" type="datetimeFigureOut">
               <a:rPr lang="en-US" smtClean="0"/>
               <a:pPr/>
-              <a:t>9/25/2015</a:t>
+              <a:t>9/20/2016</a:t>
             </a:fld>
             <a:endParaRPr lang="en-US" dirty="0"/>
           </a:p>
@@ -6546,7 +6546,7 @@
             <a:fld id="{B61BEF0D-F0BB-DE4B-95CE-6DB70DBA9567}" type="datetimeFigureOut">
               <a:rPr lang="en-US" smtClean="0"/>
               <a:pPr/>
-              <a:t>9/25/2015</a:t>
+              <a:t>9/20/2016</a:t>
             </a:fld>
             <a:endParaRPr lang="en-US" dirty="0"/>
           </a:p>
@@ -8113,7 +8113,7 @@
             </a:r>
             <a:r>
               <a:rPr lang="en" sz="2000" dirty="0" smtClean="0"/>
-              <a:t>2015/16 </a:t>
+              <a:t>2016/17 </a:t>
             </a:r>
             <a:r>
               <a:rPr lang="en" sz="2000" dirty="0"/>
@@ -8121,7 +8121,7 @@
             </a:r>
             <a:r>
               <a:rPr lang="en" sz="2000" b="1" dirty="0" smtClean="0"/>
-              <a:t>v1.82.01.</a:t>
+              <a:t>v1.83.04</a:t>
             </a:r>
             <a:endParaRPr lang="en" sz="2000" b="1" dirty="0"/>
           </a:p>

--- a/PsychoPy-Part2/FAQ-handout.pptx
+++ b/PsychoPy-Part2/FAQ-handout.pptx
@@ -201,7 +201,7 @@
           <a:p>
             <a:fld id="{A71BFCC6-2EC9-4EC2-A3C4-9B645E93EB78}" type="datetimeFigureOut">
               <a:rPr lang="en-US" smtClean="0"/>
-              <a:t>9/20/2016</a:t>
+              <a:t>10/3/2017</a:t>
             </a:fld>
             <a:endParaRPr lang="en-US"/>
           </a:p>
@@ -1728,7 +1728,7 @@
             <a:fld id="{B61BEF0D-F0BB-DE4B-95CE-6DB70DBA9567}" type="datetimeFigureOut">
               <a:rPr lang="en-US" smtClean="0"/>
               <a:pPr/>
-              <a:t>9/20/2016</a:t>
+              <a:t>10/3/2017</a:t>
             </a:fld>
             <a:endParaRPr lang="en-US" dirty="0"/>
           </a:p>
@@ -1981,7 +1981,7 @@
             <a:fld id="{B61BEF0D-F0BB-DE4B-95CE-6DB70DBA9567}" type="datetimeFigureOut">
               <a:rPr lang="en-US" smtClean="0"/>
               <a:pPr/>
-              <a:t>9/20/2016</a:t>
+              <a:t>10/3/2017</a:t>
             </a:fld>
             <a:endParaRPr lang="en-US" dirty="0"/>
           </a:p>
@@ -2297,7 +2297,7 @@
             <a:fld id="{B61BEF0D-F0BB-DE4B-95CE-6DB70DBA9567}" type="datetimeFigureOut">
               <a:rPr lang="en-US" smtClean="0"/>
               <a:pPr/>
-              <a:t>9/20/2016</a:t>
+              <a:t>10/3/2017</a:t>
             </a:fld>
             <a:endParaRPr lang="en-US" dirty="0"/>
           </a:p>
@@ -2632,7 +2632,7 @@
             <a:fld id="{B61BEF0D-F0BB-DE4B-95CE-6DB70DBA9567}" type="datetimeFigureOut">
               <a:rPr lang="en-US" smtClean="0"/>
               <a:pPr/>
-              <a:t>9/20/2016</a:t>
+              <a:t>10/3/2017</a:t>
             </a:fld>
             <a:endParaRPr lang="en-US" dirty="0"/>
           </a:p>
@@ -2948,7 +2948,7 @@
             <a:fld id="{B61BEF0D-F0BB-DE4B-95CE-6DB70DBA9567}" type="datetimeFigureOut">
               <a:rPr lang="en-US" smtClean="0"/>
               <a:pPr/>
-              <a:t>9/20/2016</a:t>
+              <a:t>10/3/2017</a:t>
             </a:fld>
             <a:endParaRPr lang="en-US" dirty="0"/>
           </a:p>
@@ -3343,7 +3343,7 @@
             <a:fld id="{B61BEF0D-F0BB-DE4B-95CE-6DB70DBA9567}" type="datetimeFigureOut">
               <a:rPr lang="en-US" smtClean="0"/>
               <a:pPr/>
-              <a:t>9/20/2016</a:t>
+              <a:t>10/3/2017</a:t>
             </a:fld>
             <a:endParaRPr lang="en-US" dirty="0"/>
           </a:p>
@@ -3514,7 +3514,7 @@
           <a:p>
             <a:fld id="{55C6B4A9-1611-4792-9094-5F34BCA07E0B}" type="datetimeFigureOut">
               <a:rPr lang="en-US" smtClean="0"/>
-              <a:t>9/20/2016</a:t>
+              <a:t>10/3/2017</a:t>
             </a:fld>
             <a:endParaRPr lang="en-US" dirty="0"/>
           </a:p>
@@ -3695,7 +3695,7 @@
             <a:fld id="{B61BEF0D-F0BB-DE4B-95CE-6DB70DBA9567}" type="datetimeFigureOut">
               <a:rPr lang="en-US" smtClean="0"/>
               <a:pPr/>
-              <a:t>9/20/2016</a:t>
+              <a:t>10/3/2017</a:t>
             </a:fld>
             <a:endParaRPr lang="en-US" dirty="0"/>
           </a:p>
@@ -4061,7 +4061,7 @@
             <a:fld id="{B61BEF0D-F0BB-DE4B-95CE-6DB70DBA9567}" type="datetimeFigureOut">
               <a:rPr lang="en-US" smtClean="0"/>
               <a:pPr/>
-              <a:t>9/20/2016</a:t>
+              <a:t>10/3/2017</a:t>
             </a:fld>
             <a:endParaRPr lang="en-US" dirty="0"/>
           </a:p>
@@ -4310,7 +4310,7 @@
             <a:fld id="{B61BEF0D-F0BB-DE4B-95CE-6DB70DBA9567}" type="datetimeFigureOut">
               <a:rPr lang="en-US" smtClean="0"/>
               <a:pPr/>
-              <a:t>9/20/2016</a:t>
+              <a:t>10/3/2017</a:t>
             </a:fld>
             <a:endParaRPr lang="en-US" dirty="0"/>
           </a:p>
@@ -4608,7 +4608,7 @@
           <a:p>
             <a:fld id="{EB712588-04B1-427B-82EE-E8DB90309F08}" type="datetimeFigureOut">
               <a:rPr lang="en-US" smtClean="0"/>
-              <a:t>9/20/2016</a:t>
+              <a:t>10/3/2017</a:t>
             </a:fld>
             <a:endParaRPr lang="en-US" dirty="0"/>
           </a:p>
@@ -4988,7 +4988,7 @@
             <a:fld id="{B61BEF0D-F0BB-DE4B-95CE-6DB70DBA9567}" type="datetimeFigureOut">
               <a:rPr lang="en-US" smtClean="0"/>
               <a:pPr/>
-              <a:t>9/20/2016</a:t>
+              <a:t>10/3/2017</a:t>
             </a:fld>
             <a:endParaRPr lang="en-US" dirty="0"/>
           </a:p>
@@ -5113,7 +5113,7 @@
             <a:fld id="{B61BEF0D-F0BB-DE4B-95CE-6DB70DBA9567}" type="datetimeFigureOut">
               <a:rPr lang="en-US" smtClean="0"/>
               <a:pPr/>
-              <a:t>9/20/2016</a:t>
+              <a:t>10/3/2017</a:t>
             </a:fld>
             <a:endParaRPr lang="en-US" dirty="0"/>
           </a:p>
@@ -5210,7 +5210,7 @@
             <a:fld id="{B61BEF0D-F0BB-DE4B-95CE-6DB70DBA9567}" type="datetimeFigureOut">
               <a:rPr lang="en-US" smtClean="0"/>
               <a:pPr/>
-              <a:t>9/20/2016</a:t>
+              <a:t>10/3/2017</a:t>
             </a:fld>
             <a:endParaRPr lang="en-US" dirty="0"/>
           </a:p>
@@ -5466,7 +5466,7 @@
           <a:p>
             <a:fld id="{42A54C80-263E-416B-A8E0-580EDEADCBDC}" type="datetimeFigureOut">
               <a:rPr lang="en-US" smtClean="0"/>
-              <a:t>9/20/2016</a:t>
+              <a:t>10/3/2017</a:t>
             </a:fld>
             <a:endParaRPr lang="en-US" dirty="0"/>
           </a:p>
@@ -5730,7 +5730,7 @@
             <a:fld id="{B61BEF0D-F0BB-DE4B-95CE-6DB70DBA9567}" type="datetimeFigureOut">
               <a:rPr lang="en-US" smtClean="0"/>
               <a:pPr/>
-              <a:t>9/20/2016</a:t>
+              <a:t>10/3/2017</a:t>
             </a:fld>
             <a:endParaRPr lang="en-US" dirty="0"/>
           </a:p>
@@ -6546,7 +6546,7 @@
             <a:fld id="{B61BEF0D-F0BB-DE4B-95CE-6DB70DBA9567}" type="datetimeFigureOut">
               <a:rPr lang="en-US" smtClean="0"/>
               <a:pPr/>
-              <a:t>9/20/2016</a:t>
+              <a:t>10/3/2017</a:t>
             </a:fld>
             <a:endParaRPr lang="en-US" dirty="0"/>
           </a:p>
@@ -8113,7 +8113,7 @@
             </a:r>
             <a:r>
               <a:rPr lang="en" sz="2000" dirty="0" smtClean="0"/>
-              <a:t>2016/17 </a:t>
+              <a:t>2017/18 </a:t>
             </a:r>
             <a:r>
               <a:rPr lang="en" sz="2000" dirty="0"/>
@@ -8121,7 +8121,7 @@
             </a:r>
             <a:r>
               <a:rPr lang="en" sz="2000" b="1" dirty="0" smtClean="0"/>
-              <a:t>v1.83.04</a:t>
+              <a:t>v1.85.03</a:t>
             </a:r>
             <a:endParaRPr lang="en" sz="2000" b="1" dirty="0"/>
           </a:p>

--- a/PsychoPy-Part2/FAQ-handout.pptx
+++ b/PsychoPy-Part2/FAQ-handout.pptx
@@ -201,7 +201,7 @@
           <a:p>
             <a:fld id="{A71BFCC6-2EC9-4EC2-A3C4-9B645E93EB78}" type="datetimeFigureOut">
               <a:rPr lang="en-US" smtClean="0"/>
-              <a:t>10/3/2017</a:t>
+              <a:t>10/12/2017</a:t>
             </a:fld>
             <a:endParaRPr lang="en-US"/>
           </a:p>
@@ -1728,7 +1728,7 @@
             <a:fld id="{B61BEF0D-F0BB-DE4B-95CE-6DB70DBA9567}" type="datetimeFigureOut">
               <a:rPr lang="en-US" smtClean="0"/>
               <a:pPr/>
-              <a:t>10/3/2017</a:t>
+              <a:t>10/12/2017</a:t>
             </a:fld>
             <a:endParaRPr lang="en-US" dirty="0"/>
           </a:p>
@@ -1981,7 +1981,7 @@
             <a:fld id="{B61BEF0D-F0BB-DE4B-95CE-6DB70DBA9567}" type="datetimeFigureOut">
               <a:rPr lang="en-US" smtClean="0"/>
               <a:pPr/>
-              <a:t>10/3/2017</a:t>
+              <a:t>10/12/2017</a:t>
             </a:fld>
             <a:endParaRPr lang="en-US" dirty="0"/>
           </a:p>
@@ -2297,7 +2297,7 @@
             <a:fld id="{B61BEF0D-F0BB-DE4B-95CE-6DB70DBA9567}" type="datetimeFigureOut">
               <a:rPr lang="en-US" smtClean="0"/>
               <a:pPr/>
-              <a:t>10/3/2017</a:t>
+              <a:t>10/12/2017</a:t>
             </a:fld>
             <a:endParaRPr lang="en-US" dirty="0"/>
           </a:p>
@@ -2632,7 +2632,7 @@
             <a:fld id="{B61BEF0D-F0BB-DE4B-95CE-6DB70DBA9567}" type="datetimeFigureOut">
               <a:rPr lang="en-US" smtClean="0"/>
               <a:pPr/>
-              <a:t>10/3/2017</a:t>
+              <a:t>10/12/2017</a:t>
             </a:fld>
             <a:endParaRPr lang="en-US" dirty="0"/>
           </a:p>
@@ -2948,7 +2948,7 @@
             <a:fld id="{B61BEF0D-F0BB-DE4B-95CE-6DB70DBA9567}" type="datetimeFigureOut">
               <a:rPr lang="en-US" smtClean="0"/>
               <a:pPr/>
-              <a:t>10/3/2017</a:t>
+              <a:t>10/12/2017</a:t>
             </a:fld>
             <a:endParaRPr lang="en-US" dirty="0"/>
           </a:p>
@@ -3343,7 +3343,7 @@
             <a:fld id="{B61BEF0D-F0BB-DE4B-95CE-6DB70DBA9567}" type="datetimeFigureOut">
               <a:rPr lang="en-US" smtClean="0"/>
               <a:pPr/>
-              <a:t>10/3/2017</a:t>
+              <a:t>10/12/2017</a:t>
             </a:fld>
             <a:endParaRPr lang="en-US" dirty="0"/>
           </a:p>
@@ -3514,7 +3514,7 @@
           <a:p>
             <a:fld id="{55C6B4A9-1611-4792-9094-5F34BCA07E0B}" type="datetimeFigureOut">
               <a:rPr lang="en-US" smtClean="0"/>
-              <a:t>10/3/2017</a:t>
+              <a:t>10/12/2017</a:t>
             </a:fld>
             <a:endParaRPr lang="en-US" dirty="0"/>
           </a:p>
@@ -3695,7 +3695,7 @@
             <a:fld id="{B61BEF0D-F0BB-DE4B-95CE-6DB70DBA9567}" type="datetimeFigureOut">
               <a:rPr lang="en-US" smtClean="0"/>
               <a:pPr/>
-              <a:t>10/3/2017</a:t>
+              <a:t>10/12/2017</a:t>
             </a:fld>
             <a:endParaRPr lang="en-US" dirty="0"/>
           </a:p>
@@ -4061,7 +4061,7 @@
             <a:fld id="{B61BEF0D-F0BB-DE4B-95CE-6DB70DBA9567}" type="datetimeFigureOut">
               <a:rPr lang="en-US" smtClean="0"/>
               <a:pPr/>
-              <a:t>10/3/2017</a:t>
+              <a:t>10/12/2017</a:t>
             </a:fld>
             <a:endParaRPr lang="en-US" dirty="0"/>
           </a:p>
@@ -4310,7 +4310,7 @@
             <a:fld id="{B61BEF0D-F0BB-DE4B-95CE-6DB70DBA9567}" type="datetimeFigureOut">
               <a:rPr lang="en-US" smtClean="0"/>
               <a:pPr/>
-              <a:t>10/3/2017</a:t>
+              <a:t>10/12/2017</a:t>
             </a:fld>
             <a:endParaRPr lang="en-US" dirty="0"/>
           </a:p>
@@ -4608,7 +4608,7 @@
           <a:p>
             <a:fld id="{EB712588-04B1-427B-82EE-E8DB90309F08}" type="datetimeFigureOut">
               <a:rPr lang="en-US" smtClean="0"/>
-              <a:t>10/3/2017</a:t>
+              <a:t>10/12/2017</a:t>
             </a:fld>
             <a:endParaRPr lang="en-US" dirty="0"/>
           </a:p>
@@ -4988,7 +4988,7 @@
             <a:fld id="{B61BEF0D-F0BB-DE4B-95CE-6DB70DBA9567}" type="datetimeFigureOut">
               <a:rPr lang="en-US" smtClean="0"/>
               <a:pPr/>
-              <a:t>10/3/2017</a:t>
+              <a:t>10/12/2017</a:t>
             </a:fld>
             <a:endParaRPr lang="en-US" dirty="0"/>
           </a:p>
@@ -5113,7 +5113,7 @@
             <a:fld id="{B61BEF0D-F0BB-DE4B-95CE-6DB70DBA9567}" type="datetimeFigureOut">
               <a:rPr lang="en-US" smtClean="0"/>
               <a:pPr/>
-              <a:t>10/3/2017</a:t>
+              <a:t>10/12/2017</a:t>
             </a:fld>
             <a:endParaRPr lang="en-US" dirty="0"/>
           </a:p>
@@ -5210,7 +5210,7 @@
             <a:fld id="{B61BEF0D-F0BB-DE4B-95CE-6DB70DBA9567}" type="datetimeFigureOut">
               <a:rPr lang="en-US" smtClean="0"/>
               <a:pPr/>
-              <a:t>10/3/2017</a:t>
+              <a:t>10/12/2017</a:t>
             </a:fld>
             <a:endParaRPr lang="en-US" dirty="0"/>
           </a:p>
@@ -5466,7 +5466,7 @@
           <a:p>
             <a:fld id="{42A54C80-263E-416B-A8E0-580EDEADCBDC}" type="datetimeFigureOut">
               <a:rPr lang="en-US" smtClean="0"/>
-              <a:t>10/3/2017</a:t>
+              <a:t>10/12/2017</a:t>
             </a:fld>
             <a:endParaRPr lang="en-US" dirty="0"/>
           </a:p>
@@ -5730,7 +5730,7 @@
             <a:fld id="{B61BEF0D-F0BB-DE4B-95CE-6DB70DBA9567}" type="datetimeFigureOut">
               <a:rPr lang="en-US" smtClean="0"/>
               <a:pPr/>
-              <a:t>10/3/2017</a:t>
+              <a:t>10/12/2017</a:t>
             </a:fld>
             <a:endParaRPr lang="en-US" dirty="0"/>
           </a:p>
@@ -6546,7 +6546,7 @@
             <a:fld id="{B61BEF0D-F0BB-DE4B-95CE-6DB70DBA9567}" type="datetimeFigureOut">
               <a:rPr lang="en-US" smtClean="0"/>
               <a:pPr/>
-              <a:t>10/3/2017</a:t>
+              <a:t>10/12/2017</a:t>
             </a:fld>
             <a:endParaRPr lang="en-US" dirty="0"/>
           </a:p>
@@ -7224,7 +7224,11 @@
             </a:pPr>
             <a:r>
               <a:rPr lang="en" sz="3000" b="1" i="1" dirty="0"/>
-              <a:t>PsychoPy doesn’t look ‘right’, what’s up?</a:t>
+              <a:t>PsychoPy doesn’t look ‘</a:t>
+            </a:r>
+            <a:r>
+              <a:rPr lang="en" sz="3000" b="1" i="1" dirty="0" smtClean="0"/>
+              <a:t>right’ when started</a:t>
             </a:r>
             <a:r>
               <a:rPr lang="en" sz="3000" i="1" dirty="0"/>
@@ -7249,7 +7253,23 @@
             </a:pPr>
             <a:r>
               <a:rPr lang="en" sz="2400" dirty="0"/>
-              <a:t>Remember PsychoPy has 2 modes, ‘Builder’ and ‘Coder’ and the menu options change a little depending which mode you are in.</a:t>
+              <a:t>Remember PsychoPy has 2 modes, </a:t>
+            </a:r>
+            <a:r>
+              <a:rPr lang="en" sz="2400" b="1" dirty="0"/>
+              <a:t>‘Builder’ </a:t>
+            </a:r>
+            <a:r>
+              <a:rPr lang="en" sz="2400" dirty="0"/>
+              <a:t>and </a:t>
+            </a:r>
+            <a:r>
+              <a:rPr lang="en" sz="2400" b="1" dirty="0"/>
+              <a:t>‘Coder’ </a:t>
+            </a:r>
+            <a:r>
+              <a:rPr lang="en" sz="2400" dirty="0"/>
+              <a:t>and the menu options change a little depending which mode you are in.</a:t>
             </a:r>
           </a:p>
           <a:p>
@@ -8225,28 +8245,25 @@
             </a:r>
             <a:r>
               <a:rPr lang="en" sz="1800" dirty="0"/>
-              <a:t> - Experiments created in an newer version will not run properly!</a:t>
-            </a:r>
-          </a:p>
-          <a:p>
-            <a:pPr marL="457200" lvl="0" indent="-342900" rtl="0">
-              <a:lnSpc>
-                <a:spcPct val="143181"/>
-              </a:lnSpc>
-              <a:spcBef>
-                <a:spcPts val="0"/>
-              </a:spcBef>
-              <a:buClr>
-                <a:schemeClr val="dk1"/>
-              </a:buClr>
-              <a:buSzPct val="100000"/>
-              <a:buFont typeface="Arial"/>
-              <a:buChar char="●"/>
-            </a:pPr>
+              <a:t> - Experiments created in an newer version </a:t>
+            </a:r>
+            <a:r>
+              <a:rPr lang="en" sz="1800" dirty="0" smtClean="0"/>
+              <a:t>may </a:t>
+            </a:r>
             <a:r>
               <a:rPr lang="en" sz="1800" dirty="0"/>
-              <a:t>Any upgrade to the version will only occur if a major bug is found with PsychoPy, and will be communicated.</a:t>
-            </a:r>
+              <a:t>not run </a:t>
+            </a:r>
+            <a:r>
+              <a:rPr lang="en" sz="1800"/>
+              <a:t>properly</a:t>
+            </a:r>
+            <a:r>
+              <a:rPr lang="en" sz="1800" smtClean="0"/>
+              <a:t>!</a:t>
+            </a:r>
+            <a:endParaRPr lang="en" sz="1800" dirty="0"/>
           </a:p>
         </p:txBody>
       </p:sp>
